--- a/source/BAS-WEBDEV-05-Jquery-updated.pptx
+++ b/source/BAS-WEBDEV-05-Jquery-updated.pptx
@@ -16,6 +16,7 @@
     <p:sldId id="263" r:id="rId10"/>
     <p:sldId id="264" r:id="rId11"/>
     <p:sldId id="265" r:id="rId12"/>
+    <p:sldId id="271" r:id="rId13"/>
   </p:sldIdLst>
   <p:sldSz cx="9144000" cy="6858000" type="screen4x3"/>
   <p:notesSz cx="6858000" cy="9144000"/>
@@ -295,7 +296,7 @@
           <a:lstStyle/>
           <a:p>
             <a:fld id="{32E388A9-6092-3D4E-8AE6-E20977ADABC8}" type="datetimeFigureOut">
-              <a:t>2/24/15</a:t>
+              <a:t>5/3/15</a:t>
             </a:fld>
             <a:endParaRPr lang="en-US"/>
           </a:p>
@@ -461,7 +462,7 @@
           <a:lstStyle/>
           <a:p>
             <a:fld id="{32E388A9-6092-3D4E-8AE6-E20977ADABC8}" type="datetimeFigureOut">
-              <a:t>2/24/15</a:t>
+              <a:t>5/3/15</a:t>
             </a:fld>
             <a:endParaRPr lang="en-US"/>
           </a:p>
@@ -637,7 +638,7 @@
           <a:lstStyle/>
           <a:p>
             <a:fld id="{32E388A9-6092-3D4E-8AE6-E20977ADABC8}" type="datetimeFigureOut">
-              <a:t>2/24/15</a:t>
+              <a:t>5/3/15</a:t>
             </a:fld>
             <a:endParaRPr lang="en-US"/>
           </a:p>
@@ -803,7 +804,7 @@
           <a:lstStyle/>
           <a:p>
             <a:fld id="{32E388A9-6092-3D4E-8AE6-E20977ADABC8}" type="datetimeFigureOut">
-              <a:t>2/24/15</a:t>
+              <a:t>5/3/15</a:t>
             </a:fld>
             <a:endParaRPr lang="en-US"/>
           </a:p>
@@ -1046,7 +1047,7 @@
           <a:lstStyle/>
           <a:p>
             <a:fld id="{32E388A9-6092-3D4E-8AE6-E20977ADABC8}" type="datetimeFigureOut">
-              <a:t>2/24/15</a:t>
+              <a:t>5/3/15</a:t>
             </a:fld>
             <a:endParaRPr lang="en-US"/>
           </a:p>
@@ -1329,7 +1330,7 @@
           <a:lstStyle/>
           <a:p>
             <a:fld id="{32E388A9-6092-3D4E-8AE6-E20977ADABC8}" type="datetimeFigureOut">
-              <a:t>2/24/15</a:t>
+              <a:t>5/3/15</a:t>
             </a:fld>
             <a:endParaRPr lang="en-US"/>
           </a:p>
@@ -1746,7 +1747,7 @@
           <a:lstStyle/>
           <a:p>
             <a:fld id="{32E388A9-6092-3D4E-8AE6-E20977ADABC8}" type="datetimeFigureOut">
-              <a:t>2/24/15</a:t>
+              <a:t>5/3/15</a:t>
             </a:fld>
             <a:endParaRPr lang="en-US"/>
           </a:p>
@@ -1861,7 +1862,7 @@
           <a:lstStyle/>
           <a:p>
             <a:fld id="{32E388A9-6092-3D4E-8AE6-E20977ADABC8}" type="datetimeFigureOut">
-              <a:t>2/24/15</a:t>
+              <a:t>5/3/15</a:t>
             </a:fld>
             <a:endParaRPr lang="en-US"/>
           </a:p>
@@ -1954,7 +1955,7 @@
           <a:lstStyle/>
           <a:p>
             <a:fld id="{32E388A9-6092-3D4E-8AE6-E20977ADABC8}" type="datetimeFigureOut">
-              <a:t>2/24/15</a:t>
+              <a:t>5/3/15</a:t>
             </a:fld>
             <a:endParaRPr lang="en-US"/>
           </a:p>
@@ -2227,7 +2228,7 @@
           <a:lstStyle/>
           <a:p>
             <a:fld id="{32E388A9-6092-3D4E-8AE6-E20977ADABC8}" type="datetimeFigureOut">
-              <a:t>2/24/15</a:t>
+              <a:t>5/3/15</a:t>
             </a:fld>
             <a:endParaRPr lang="en-US"/>
           </a:p>
@@ -2477,7 +2478,7 @@
           <a:lstStyle/>
           <a:p>
             <a:fld id="{32E388A9-6092-3D4E-8AE6-E20977ADABC8}" type="datetimeFigureOut">
-              <a:t>2/24/15</a:t>
+              <a:t>5/3/15</a:t>
             </a:fld>
             <a:endParaRPr lang="en-US"/>
           </a:p>
@@ -2686,7 +2687,7 @@
           </a:lstStyle>
           <a:p>
             <a:fld id="{32E388A9-6092-3D4E-8AE6-E20977ADABC8}" type="datetimeFigureOut">
-              <a:t>2/24/15</a:t>
+              <a:t>5/3/15</a:t>
             </a:fld>
             <a:endParaRPr lang="en-US"/>
           </a:p>
@@ -3076,8 +3077,12 @@
           <a:lstStyle/>
           <a:p>
             <a:r>
-              <a:rPr lang="en-US"/>
-              <a:t>WebDev class 5 </a:t>
+              <a:rPr lang="en-US" dirty="0" err="1"/>
+              <a:t>WebDev</a:t>
+            </a:r>
+            <a:r>
+              <a:rPr lang="en-US" dirty="0"/>
+              <a:t> class 5 </a:t>
             </a:r>
           </a:p>
         </p:txBody>
@@ -3098,8 +3103,12 @@
           <a:lstStyle/>
           <a:p>
             <a:r>
-              <a:rPr lang="en-US"/>
-              <a:t>Jquery and online tools</a:t>
+              <a:rPr lang="en-US" dirty="0" err="1"/>
+              <a:t>Jquery</a:t>
+            </a:r>
+            <a:r>
+              <a:rPr lang="en-US" dirty="0"/>
+              <a:t> and online tools</a:t>
             </a:r>
           </a:p>
         </p:txBody>
@@ -3151,7 +3160,7 @@
           <a:p>
             <a:pPr lvl="0"/>
             <a:r>
-              <a:rPr lang="en-US" sz="4400" b="1" kern="1200">
+              <a:rPr lang="en-US" sz="4400" b="1" kern="1200" dirty="0">
                 <a:solidFill>
                   <a:schemeClr val="tx1"/>
                 </a:solidFill>
@@ -3162,7 +3171,7 @@
               </a:rPr>
               <a:t>Animate</a:t>
             </a:r>
-            <a:endParaRPr lang="en-US"/>
+            <a:endParaRPr lang="en-US" dirty="0"/>
           </a:p>
         </p:txBody>
       </p:sp>
@@ -3185,7 +3194,7 @@
           <a:p>
             <a:pPr lvl="0"/>
             <a:r>
-              <a:rPr lang="en-US" sz="4400" u="sng" kern="1200">
+              <a:rPr lang="en-US" sz="4400" u="sng" kern="1200" dirty="0">
                 <a:solidFill>
                   <a:schemeClr val="tx1"/>
                 </a:solidFill>
@@ -3197,7 +3206,7 @@
               </a:rPr>
               <a:t>http://www.w3schools.com/jquery/tryit.asp?filename=tryjquery_animation</a:t>
             </a:r>
-            <a:endParaRPr lang="en-US" sz="4400" kern="1200">
+            <a:endParaRPr lang="en-US" sz="4400" kern="1200" dirty="0">
               <a:solidFill>
                 <a:schemeClr val="tx1"/>
               </a:solidFill>
@@ -3211,7 +3220,7 @@
             <a:pPr marL="0" lvl="0" indent="0">
               <a:buNone/>
             </a:pPr>
-            <a:endParaRPr lang="en-US" sz="4400" kern="1200">
+            <a:endParaRPr lang="en-US" sz="4400" kern="1200" dirty="0">
               <a:solidFill>
                 <a:schemeClr val="tx1"/>
               </a:solidFill>
@@ -3226,7 +3235,7 @@
               <a:buNone/>
             </a:pPr>
             <a:r>
-              <a:rPr lang="en-US" sz="4400" kern="1200">
+              <a:rPr lang="en-US" sz="4400" kern="1200" dirty="0">
                 <a:solidFill>
                   <a:schemeClr val="tx1"/>
                 </a:solidFill>
@@ -3243,7 +3252,7 @@
               <a:buNone/>
             </a:pPr>
             <a:r>
-              <a:rPr lang="en-US" sz="4400" kern="1200">
+              <a:rPr lang="en-US" sz="4400" kern="1200" dirty="0">
                 <a:solidFill>
                   <a:schemeClr val="tx1"/>
                 </a:solidFill>
@@ -3260,7 +3269,7 @@
               <a:buNone/>
             </a:pPr>
             <a:r>
-              <a:rPr lang="en-US" sz="4400" kern="1200">
+              <a:rPr lang="en-US" sz="4400" kern="1200" dirty="0">
                 <a:solidFill>
                   <a:schemeClr val="tx1"/>
                 </a:solidFill>
@@ -3272,16 +3281,40 @@
               <a:t>       </a:t>
             </a:r>
             <a:r>
-              <a:rPr lang="en-US" sz="5100" b="1" kern="1200">
-                <a:solidFill>
-                  <a:schemeClr val="tx1"/>
-                </a:solidFill>
-                <a:effectLst/>
-                <a:latin typeface="+mj-lt"/>
-                <a:ea typeface="+mj-ea"/>
-                <a:cs typeface="+mj-cs"/>
-              </a:rPr>
-              <a:t> var div=$("div");</a:t>
+              <a:rPr lang="en-US" sz="5100" b="1" kern="1200" dirty="0">
+                <a:solidFill>
+                  <a:schemeClr val="tx1"/>
+                </a:solidFill>
+                <a:effectLst/>
+                <a:latin typeface="+mj-lt"/>
+                <a:ea typeface="+mj-ea"/>
+                <a:cs typeface="+mj-cs"/>
+              </a:rPr>
+              <a:t> </a:t>
+            </a:r>
+            <a:r>
+              <a:rPr lang="en-US" sz="5100" b="1" kern="1200" dirty="0" err="1">
+                <a:solidFill>
+                  <a:schemeClr val="tx1"/>
+                </a:solidFill>
+                <a:effectLst/>
+                <a:latin typeface="+mj-lt"/>
+                <a:ea typeface="+mj-ea"/>
+                <a:cs typeface="+mj-cs"/>
+              </a:rPr>
+              <a:t>var</a:t>
+            </a:r>
+            <a:r>
+              <a:rPr lang="en-US" sz="5100" b="1" kern="1200" dirty="0">
+                <a:solidFill>
+                  <a:schemeClr val="tx1"/>
+                </a:solidFill>
+                <a:effectLst/>
+                <a:latin typeface="+mj-lt"/>
+                <a:ea typeface="+mj-ea"/>
+                <a:cs typeface="+mj-cs"/>
+              </a:rPr>
+              <a:t> div=$("div");</a:t>
             </a:r>
           </a:p>
           <a:p>
@@ -3289,16 +3322,40 @@
               <a:buNone/>
             </a:pPr>
             <a:r>
-              <a:rPr lang="en-US" sz="5100" b="1" kern="1200">
-                <a:solidFill>
-                  <a:schemeClr val="tx1"/>
-                </a:solidFill>
-                <a:effectLst/>
-                <a:latin typeface="+mj-lt"/>
-                <a:ea typeface="+mj-ea"/>
-                <a:cs typeface="+mj-cs"/>
-              </a:rPr>
-              <a:t>        div.animate({height: '300px', opacity: '0.4'}, "slow");</a:t>
+              <a:rPr lang="en-US" sz="5100" b="1" kern="1200" dirty="0">
+                <a:solidFill>
+                  <a:schemeClr val="tx1"/>
+                </a:solidFill>
+                <a:effectLst/>
+                <a:latin typeface="+mj-lt"/>
+                <a:ea typeface="+mj-ea"/>
+                <a:cs typeface="+mj-cs"/>
+              </a:rPr>
+              <a:t>        </a:t>
+            </a:r>
+            <a:r>
+              <a:rPr lang="en-US" sz="5100" b="1" kern="1200" dirty="0" err="1">
+                <a:solidFill>
+                  <a:schemeClr val="tx1"/>
+                </a:solidFill>
+                <a:effectLst/>
+                <a:latin typeface="+mj-lt"/>
+                <a:ea typeface="+mj-ea"/>
+                <a:cs typeface="+mj-cs"/>
+              </a:rPr>
+              <a:t>div.animate</a:t>
+            </a:r>
+            <a:r>
+              <a:rPr lang="en-US" sz="5100" b="1" kern="1200" dirty="0">
+                <a:solidFill>
+                  <a:schemeClr val="tx1"/>
+                </a:solidFill>
+                <a:effectLst/>
+                <a:latin typeface="+mj-lt"/>
+                <a:ea typeface="+mj-ea"/>
+                <a:cs typeface="+mj-cs"/>
+              </a:rPr>
+              <a:t>({height: '300px', opacity: '0.4'}, "slow");</a:t>
             </a:r>
           </a:p>
           <a:p>
@@ -3306,16 +3363,40 @@
               <a:buNone/>
             </a:pPr>
             <a:r>
-              <a:rPr lang="en-US" sz="5100" b="1" kern="1200">
-                <a:solidFill>
-                  <a:schemeClr val="tx1"/>
-                </a:solidFill>
-                <a:effectLst/>
-                <a:latin typeface="+mj-lt"/>
-                <a:ea typeface="+mj-ea"/>
-                <a:cs typeface="+mj-cs"/>
-              </a:rPr>
-              <a:t>        div.animate({width: '300px', opacity: '0.8'}, "slow");</a:t>
+              <a:rPr lang="en-US" sz="5100" b="1" kern="1200" dirty="0">
+                <a:solidFill>
+                  <a:schemeClr val="tx1"/>
+                </a:solidFill>
+                <a:effectLst/>
+                <a:latin typeface="+mj-lt"/>
+                <a:ea typeface="+mj-ea"/>
+                <a:cs typeface="+mj-cs"/>
+              </a:rPr>
+              <a:t>        </a:t>
+            </a:r>
+            <a:r>
+              <a:rPr lang="en-US" sz="5100" b="1" kern="1200" dirty="0" err="1">
+                <a:solidFill>
+                  <a:schemeClr val="tx1"/>
+                </a:solidFill>
+                <a:effectLst/>
+                <a:latin typeface="+mj-lt"/>
+                <a:ea typeface="+mj-ea"/>
+                <a:cs typeface="+mj-cs"/>
+              </a:rPr>
+              <a:t>div.animate</a:t>
+            </a:r>
+            <a:r>
+              <a:rPr lang="en-US" sz="5100" b="1" kern="1200" dirty="0">
+                <a:solidFill>
+                  <a:schemeClr val="tx1"/>
+                </a:solidFill>
+                <a:effectLst/>
+                <a:latin typeface="+mj-lt"/>
+                <a:ea typeface="+mj-ea"/>
+                <a:cs typeface="+mj-cs"/>
+              </a:rPr>
+              <a:t>({width: '300px', opacity: '0.8'}, "slow");</a:t>
             </a:r>
           </a:p>
           <a:p>
@@ -3323,16 +3404,40 @@
               <a:buNone/>
             </a:pPr>
             <a:r>
-              <a:rPr lang="en-US" sz="5100" b="1" kern="1200">
-                <a:solidFill>
-                  <a:schemeClr val="tx1"/>
-                </a:solidFill>
-                <a:effectLst/>
-                <a:latin typeface="+mj-lt"/>
-                <a:ea typeface="+mj-ea"/>
-                <a:cs typeface="+mj-cs"/>
-              </a:rPr>
-              <a:t>        div.animate({height: '100px', opacity: '0.4'}, "slow");</a:t>
+              <a:rPr lang="en-US" sz="5100" b="1" kern="1200" dirty="0">
+                <a:solidFill>
+                  <a:schemeClr val="tx1"/>
+                </a:solidFill>
+                <a:effectLst/>
+                <a:latin typeface="+mj-lt"/>
+                <a:ea typeface="+mj-ea"/>
+                <a:cs typeface="+mj-cs"/>
+              </a:rPr>
+              <a:t>        </a:t>
+            </a:r>
+            <a:r>
+              <a:rPr lang="en-US" sz="5100" b="1" kern="1200" dirty="0" err="1">
+                <a:solidFill>
+                  <a:schemeClr val="tx1"/>
+                </a:solidFill>
+                <a:effectLst/>
+                <a:latin typeface="+mj-lt"/>
+                <a:ea typeface="+mj-ea"/>
+                <a:cs typeface="+mj-cs"/>
+              </a:rPr>
+              <a:t>div.animate</a:t>
+            </a:r>
+            <a:r>
+              <a:rPr lang="en-US" sz="5100" b="1" kern="1200" dirty="0">
+                <a:solidFill>
+                  <a:schemeClr val="tx1"/>
+                </a:solidFill>
+                <a:effectLst/>
+                <a:latin typeface="+mj-lt"/>
+                <a:ea typeface="+mj-ea"/>
+                <a:cs typeface="+mj-cs"/>
+              </a:rPr>
+              <a:t>({height: '100px', opacity: '0.4'}, "slow");</a:t>
             </a:r>
           </a:p>
           <a:p>
@@ -3340,16 +3445,40 @@
               <a:buNone/>
             </a:pPr>
             <a:r>
-              <a:rPr lang="en-US" sz="5100" b="1" kern="1200">
-                <a:solidFill>
-                  <a:schemeClr val="tx1"/>
-                </a:solidFill>
-                <a:effectLst/>
-                <a:latin typeface="+mj-lt"/>
-                <a:ea typeface="+mj-ea"/>
-                <a:cs typeface="+mj-cs"/>
-              </a:rPr>
-              <a:t>        div.animate({width: '100px', opacity: '0.8'}, "slow");</a:t>
+              <a:rPr lang="en-US" sz="5100" b="1" kern="1200" dirty="0">
+                <a:solidFill>
+                  <a:schemeClr val="tx1"/>
+                </a:solidFill>
+                <a:effectLst/>
+                <a:latin typeface="+mj-lt"/>
+                <a:ea typeface="+mj-ea"/>
+                <a:cs typeface="+mj-cs"/>
+              </a:rPr>
+              <a:t>        </a:t>
+            </a:r>
+            <a:r>
+              <a:rPr lang="en-US" sz="5100" b="1" kern="1200" dirty="0" err="1">
+                <a:solidFill>
+                  <a:schemeClr val="tx1"/>
+                </a:solidFill>
+                <a:effectLst/>
+                <a:latin typeface="+mj-lt"/>
+                <a:ea typeface="+mj-ea"/>
+                <a:cs typeface="+mj-cs"/>
+              </a:rPr>
+              <a:t>div.animate</a:t>
+            </a:r>
+            <a:r>
+              <a:rPr lang="en-US" sz="5100" b="1" kern="1200" dirty="0">
+                <a:solidFill>
+                  <a:schemeClr val="tx1"/>
+                </a:solidFill>
+                <a:effectLst/>
+                <a:latin typeface="+mj-lt"/>
+                <a:ea typeface="+mj-ea"/>
+                <a:cs typeface="+mj-cs"/>
+              </a:rPr>
+              <a:t>({width: '100px', opacity: '0.8'}, "slow");</a:t>
             </a:r>
           </a:p>
           <a:p>
@@ -3357,7 +3486,7 @@
               <a:buNone/>
             </a:pPr>
             <a:r>
-              <a:rPr lang="en-US" sz="4400" kern="1200">
+              <a:rPr lang="en-US" sz="4400" kern="1200" dirty="0">
                 <a:solidFill>
                   <a:schemeClr val="tx1"/>
                 </a:solidFill>
@@ -3374,7 +3503,7 @@
               <a:buNone/>
             </a:pPr>
             <a:r>
-              <a:rPr lang="en-US" sz="4400" kern="1200">
+              <a:rPr lang="en-US" sz="4400" kern="1200" dirty="0">
                 <a:solidFill>
                   <a:schemeClr val="tx1"/>
                 </a:solidFill>
@@ -3498,7 +3627,7 @@
           <a:p>
             <a:pPr lvl="0"/>
             <a:r>
-              <a:rPr lang="en-US" sz="4400" b="1" kern="1200">
+              <a:rPr lang="en-US" sz="4400" b="1" kern="1200" dirty="0">
                 <a:solidFill>
                   <a:schemeClr val="tx1"/>
                 </a:solidFill>
@@ -3509,7 +3638,7 @@
               </a:rPr>
               <a:t>Chain</a:t>
             </a:r>
-            <a:endParaRPr lang="en-US"/>
+            <a:endParaRPr lang="en-US" dirty="0"/>
           </a:p>
         </p:txBody>
       </p:sp>
@@ -3532,7 +3661,7 @@
           <a:p>
             <a:pPr lvl="0"/>
             <a:r>
-              <a:rPr lang="en-US" sz="4400" u="sng" kern="1200">
+              <a:rPr lang="en-US" sz="4400" u="sng" kern="1200" dirty="0">
                 <a:solidFill>
                   <a:schemeClr val="tx1"/>
                 </a:solidFill>
@@ -3544,7 +3673,7 @@
               </a:rPr>
               <a:t>http://www.w3schools.com/jquery/tryit.asp?filename=tryjquery_chaining</a:t>
             </a:r>
-            <a:endParaRPr lang="en-US" sz="4400" kern="1200">
+            <a:endParaRPr lang="en-US" sz="4400" kern="1200" dirty="0">
               <a:solidFill>
                 <a:schemeClr val="tx1"/>
               </a:solidFill>
@@ -3559,7 +3688,7 @@
               <a:buNone/>
             </a:pPr>
             <a:r>
-              <a:rPr lang="en-US" sz="4400" kern="1200">
+              <a:rPr lang="en-US" sz="4400" kern="1200" dirty="0">
                 <a:solidFill>
                   <a:schemeClr val="tx1"/>
                 </a:solidFill>
@@ -3576,7 +3705,7 @@
               <a:buNone/>
             </a:pPr>
             <a:r>
-              <a:rPr lang="en-US" sz="4400" kern="1200">
+              <a:rPr lang="en-US" sz="4400" kern="1200" dirty="0">
                 <a:solidFill>
                   <a:schemeClr val="tx1"/>
                 </a:solidFill>
@@ -3593,16 +3722,88 @@
               <a:buNone/>
             </a:pPr>
             <a:r>
-              <a:rPr lang="en-US" sz="4400" kern="1200">
-                <a:solidFill>
-                  <a:schemeClr val="tx1"/>
-                </a:solidFill>
-                <a:effectLst/>
-                <a:latin typeface="+mj-lt"/>
-                <a:ea typeface="+mj-ea"/>
-                <a:cs typeface="+mj-cs"/>
-              </a:rPr>
-              <a:t>        $("#p1").css("color", "red").slideUp(2000).slideDown(2000);</a:t>
+              <a:rPr lang="en-US" sz="4400" kern="1200" dirty="0">
+                <a:solidFill>
+                  <a:schemeClr val="tx1"/>
+                </a:solidFill>
+                <a:effectLst/>
+                <a:latin typeface="+mj-lt"/>
+                <a:ea typeface="+mj-ea"/>
+                <a:cs typeface="+mj-cs"/>
+              </a:rPr>
+              <a:t>        $("#p1").</a:t>
+            </a:r>
+            <a:r>
+              <a:rPr lang="en-US" sz="4400" kern="1200" dirty="0" err="1">
+                <a:solidFill>
+                  <a:schemeClr val="tx1"/>
+                </a:solidFill>
+                <a:effectLst/>
+                <a:latin typeface="+mj-lt"/>
+                <a:ea typeface="+mj-ea"/>
+                <a:cs typeface="+mj-cs"/>
+              </a:rPr>
+              <a:t>css</a:t>
+            </a:r>
+            <a:r>
+              <a:rPr lang="en-US" sz="4400" kern="1200" dirty="0">
+                <a:solidFill>
+                  <a:schemeClr val="tx1"/>
+                </a:solidFill>
+                <a:effectLst/>
+                <a:latin typeface="+mj-lt"/>
+                <a:ea typeface="+mj-ea"/>
+                <a:cs typeface="+mj-cs"/>
+              </a:rPr>
+              <a:t>("color", "red").</a:t>
+            </a:r>
+            <a:r>
+              <a:rPr lang="en-US" sz="4400" kern="1200" dirty="0" err="1">
+                <a:solidFill>
+                  <a:schemeClr val="tx1"/>
+                </a:solidFill>
+                <a:effectLst/>
+                <a:latin typeface="+mj-lt"/>
+                <a:ea typeface="+mj-ea"/>
+                <a:cs typeface="+mj-cs"/>
+              </a:rPr>
+              <a:t>slideUp</a:t>
+            </a:r>
+            <a:r>
+              <a:rPr lang="en-US" sz="4400" kern="1200" dirty="0">
+                <a:solidFill>
+                  <a:schemeClr val="tx1"/>
+                </a:solidFill>
+                <a:effectLst/>
+                <a:latin typeface="+mj-lt"/>
+                <a:ea typeface="+mj-ea"/>
+                <a:cs typeface="+mj-cs"/>
+              </a:rPr>
+              <a:t>(2000).</a:t>
+            </a:r>
+            <a:r>
+              <a:rPr lang="en-US" sz="4400" kern="1200" dirty="0" err="1">
+                <a:solidFill>
+                  <a:schemeClr val="tx1"/>
+                </a:solidFill>
+                <a:effectLst/>
+                <a:latin typeface="+mj-lt"/>
+                <a:ea typeface="+mj-ea"/>
+                <a:cs typeface="+mj-cs"/>
+              </a:rPr>
+              <a:t>slideDown</a:t>
+            </a:r>
+            <a:r>
+              <a:rPr lang="en-US" sz="4400" kern="1200" dirty="0">
+                <a:solidFill>
+                  <a:schemeClr val="tx1"/>
+                </a:solidFill>
+                <a:effectLst/>
+                <a:latin typeface="+mj-lt"/>
+                <a:ea typeface="+mj-ea"/>
+                <a:cs typeface="+mj-cs"/>
+              </a:rPr>
+              <a:t>(2000);</a:t>
             </a:r>
           </a:p>
           <a:p>
@@ -3610,7 +3811,7 @@
               <a:buNone/>
             </a:pPr>
             <a:r>
-              <a:rPr lang="en-US" sz="4400" kern="1200">
+              <a:rPr lang="en-US" sz="4400" kern="1200" dirty="0">
                 <a:solidFill>
                   <a:schemeClr val="tx1"/>
                 </a:solidFill>
@@ -3627,23 +3828,29 @@
               <a:buNone/>
             </a:pPr>
             <a:r>
-              <a:rPr lang="en-US" sz="4400" kern="1200">
-                <a:solidFill>
-                  <a:schemeClr val="tx1"/>
-                </a:solidFill>
-                <a:effectLst/>
-                <a:latin typeface="+mj-lt"/>
-                <a:ea typeface="+mj-ea"/>
-                <a:cs typeface="+mj-cs"/>
-              </a:rPr>
-              <a:t>});</a:t>
-            </a:r>
-          </a:p>
-          <a:p>
-            <a:pPr marL="0" indent="0">
-              <a:buNone/>
-            </a:pPr>
-            <a:endParaRPr lang="en-US"/>
+              <a:rPr lang="en-US" sz="4400" kern="1200" dirty="0">
+                <a:solidFill>
+                  <a:schemeClr val="tx1"/>
+                </a:solidFill>
+                <a:effectLst/>
+                <a:latin typeface="+mj-lt"/>
+                <a:ea typeface="+mj-ea"/>
+                <a:cs typeface="+mj-cs"/>
+              </a:rPr>
+              <a:t>})</a:t>
+            </a:r>
+            <a:r>
+              <a:rPr lang="en-US" sz="4400" kern="1200" dirty="0" smtClean="0">
+                <a:solidFill>
+                  <a:schemeClr val="tx1"/>
+                </a:solidFill>
+                <a:effectLst/>
+                <a:latin typeface="+mj-lt"/>
+                <a:ea typeface="+mj-ea"/>
+                <a:cs typeface="+mj-cs"/>
+              </a:rPr>
+              <a:t>;</a:t>
+            </a:r>
           </a:p>
         </p:txBody>
       </p:sp>
@@ -3695,6 +3902,172 @@
 </p:sld>
 </file>
 
+<file path=ppt/slides/slide12.xml><?xml version="1.0" encoding="utf-8"?>
+<p:sld xmlns:a="http://schemas.openxmlformats.org/drawingml/2006/main" xmlns:r="http://schemas.openxmlformats.org/officeDocument/2006/relationships" xmlns:p="http://schemas.openxmlformats.org/presentationml/2006/main">
+  <p:cSld>
+    <p:spTree>
+      <p:nvGrpSpPr>
+        <p:cNvPr id="1" name=""/>
+        <p:cNvGrpSpPr/>
+        <p:nvPr/>
+      </p:nvGrpSpPr>
+      <p:grpSpPr>
+        <a:xfrm>
+          <a:off x="0" y="0"/>
+          <a:ext cx="0" cy="0"/>
+          <a:chOff x="0" y="0"/>
+          <a:chExt cx="0" cy="0"/>
+        </a:xfrm>
+      </p:grpSpPr>
+      <p:sp>
+        <p:nvSpPr>
+          <p:cNvPr id="2" name="Title 1"/>
+          <p:cNvSpPr>
+            <a:spLocks noGrp="1"/>
+          </p:cNvSpPr>
+          <p:nvPr>
+            <p:ph type="title"/>
+          </p:nvPr>
+        </p:nvSpPr>
+        <p:spPr/>
+        <p:txBody>
+          <a:bodyPr/>
+          <a:lstStyle/>
+          <a:p>
+            <a:pPr lvl="0"/>
+            <a:r>
+              <a:rPr lang="en-US" dirty="0" smtClean="0"/>
+              <a:t>More on </a:t>
+            </a:r>
+            <a:r>
+              <a:rPr lang="en-US" dirty="0" err="1" smtClean="0"/>
+              <a:t>Jquery</a:t>
+            </a:r>
+            <a:endParaRPr lang="en-US" dirty="0"/>
+          </a:p>
+        </p:txBody>
+      </p:sp>
+      <p:sp>
+        <p:nvSpPr>
+          <p:cNvPr id="3" name="Content Placeholder 2"/>
+          <p:cNvSpPr>
+            <a:spLocks noGrp="1"/>
+          </p:cNvSpPr>
+          <p:nvPr>
+            <p:ph idx="1"/>
+          </p:nvPr>
+        </p:nvSpPr>
+        <p:spPr/>
+        <p:txBody>
+          <a:bodyPr/>
+          <a:lstStyle/>
+          <a:p>
+            <a:r>
+              <a:rPr lang="en-US" dirty="0" smtClean="0"/>
+              <a:t>W3Schools</a:t>
+            </a:r>
+          </a:p>
+          <a:p>
+            <a:pPr lvl="1"/>
+            <a:r>
+              <a:rPr lang="en-US" dirty="0" smtClean="0"/>
+              <a:t>http://www.w3schools.com/</a:t>
+            </a:r>
+            <a:r>
+              <a:rPr lang="en-US" dirty="0" err="1" smtClean="0"/>
+              <a:t>jquery</a:t>
+            </a:r>
+            <a:r>
+              <a:rPr lang="en-US" dirty="0" smtClean="0"/>
+              <a:t>/</a:t>
+            </a:r>
+            <a:r>
+              <a:rPr lang="en-US" dirty="0" err="1" smtClean="0"/>
+              <a:t>jquery_examples.asp</a:t>
+            </a:r>
+            <a:endParaRPr lang="en-US" dirty="0" smtClean="0"/>
+          </a:p>
+          <a:p>
+            <a:r>
+              <a:rPr lang="en-US" dirty="0" smtClean="0"/>
+              <a:t>Code Academy</a:t>
+            </a:r>
+          </a:p>
+          <a:p>
+            <a:pPr lvl="1"/>
+            <a:r>
+              <a:rPr lang="en-US" dirty="0" smtClean="0"/>
+              <a:t>http</a:t>
+            </a:r>
+            <a:r>
+              <a:rPr lang="en-US" dirty="0"/>
+              <a:t>://</a:t>
+            </a:r>
+            <a:r>
+              <a:rPr lang="en-US" dirty="0" err="1"/>
+              <a:t>www.codecademy.com</a:t>
+            </a:r>
+            <a:r>
+              <a:rPr lang="en-US" dirty="0"/>
+              <a:t>/en/tracks/</a:t>
+            </a:r>
+            <a:r>
+              <a:rPr lang="en-US" dirty="0" err="1" smtClean="0"/>
+              <a:t>jquery</a:t>
+            </a:r>
+            <a:endParaRPr lang="en-US" dirty="0" smtClean="0"/>
+          </a:p>
+          <a:p>
+            <a:r>
+              <a:rPr lang="en-US" dirty="0" smtClean="0"/>
+              <a:t>Code School</a:t>
+            </a:r>
+          </a:p>
+          <a:p>
+            <a:pPr lvl="1"/>
+            <a:r>
+              <a:rPr lang="en-US" dirty="0" smtClean="0"/>
+              <a:t>https</a:t>
+            </a:r>
+            <a:r>
+              <a:rPr lang="en-US" dirty="0"/>
+              <a:t>://</a:t>
+            </a:r>
+            <a:r>
+              <a:rPr lang="en-US" dirty="0" err="1"/>
+              <a:t>www.codeschool.com</a:t>
+            </a:r>
+            <a:r>
+              <a:rPr lang="en-US" dirty="0"/>
+              <a:t>/courses/try-</a:t>
+            </a:r>
+            <a:r>
+              <a:rPr lang="en-US" dirty="0" err="1"/>
+              <a:t>jquery</a:t>
+            </a:r>
+            <a:endParaRPr lang="en-US" dirty="0"/>
+          </a:p>
+          <a:p>
+            <a:endParaRPr lang="en-US" dirty="0"/>
+          </a:p>
+          <a:p>
+            <a:endParaRPr lang="en-US" dirty="0"/>
+          </a:p>
+        </p:txBody>
+      </p:sp>
+    </p:spTree>
+    <p:extLst>
+      <p:ext uri="{BB962C8B-B14F-4D97-AF65-F5344CB8AC3E}">
+        <p14:creationId xmlns:p14="http://schemas.microsoft.com/office/powerpoint/2010/main" val="794784133"/>
+      </p:ext>
+    </p:extLst>
+  </p:cSld>
+  <p:clrMapOvr>
+    <a:masterClrMapping/>
+  </p:clrMapOvr>
+</p:sld>
+</file>
+
 <file path=ppt/slides/slide2.xml><?xml version="1.0" encoding="utf-8"?>
 <p:sld xmlns:a="http://schemas.openxmlformats.org/drawingml/2006/main" xmlns:r="http://schemas.openxmlformats.org/officeDocument/2006/relationships" xmlns:p="http://schemas.openxmlformats.org/presentationml/2006/main">
   <p:cSld>
@@ -3729,18 +4102,42 @@
           <a:p>
             <a:pPr lvl="0"/>
             <a:r>
-              <a:rPr lang="en-US" sz="4400" kern="1200">
-                <a:solidFill>
-                  <a:schemeClr val="tx1"/>
-                </a:solidFill>
-                <a:effectLst/>
-                <a:latin typeface="+mj-lt"/>
-                <a:ea typeface="+mj-ea"/>
-                <a:cs typeface="+mj-cs"/>
-              </a:rPr>
-              <a:t>Feb 23 – Jquery </a:t>
-            </a:r>
-            <a:endParaRPr lang="en-US"/>
+              <a:rPr lang="en-US" sz="4400" kern="1200" dirty="0">
+                <a:solidFill>
+                  <a:schemeClr val="tx1"/>
+                </a:solidFill>
+                <a:effectLst/>
+                <a:latin typeface="+mj-lt"/>
+                <a:ea typeface="+mj-ea"/>
+                <a:cs typeface="+mj-cs"/>
+              </a:rPr>
+              <a:t>Feb 23 – </a:t>
+            </a:r>
+            <a:r>
+              <a:rPr lang="en-US" sz="4400" kern="1200" dirty="0" err="1">
+                <a:solidFill>
+                  <a:schemeClr val="tx1"/>
+                </a:solidFill>
+                <a:effectLst/>
+                <a:latin typeface="+mj-lt"/>
+                <a:ea typeface="+mj-ea"/>
+                <a:cs typeface="+mj-cs"/>
+              </a:rPr>
+              <a:t>Jquery</a:t>
+            </a:r>
+            <a:r>
+              <a:rPr lang="en-US" sz="4400" kern="1200" dirty="0">
+                <a:solidFill>
+                  <a:schemeClr val="tx1"/>
+                </a:solidFill>
+                <a:effectLst/>
+                <a:latin typeface="+mj-lt"/>
+                <a:ea typeface="+mj-ea"/>
+                <a:cs typeface="+mj-cs"/>
+              </a:rPr>
+              <a:t> </a:t>
+            </a:r>
+            <a:endParaRPr lang="en-US" dirty="0"/>
           </a:p>
         </p:txBody>
       </p:sp>
@@ -3768,89 +4165,30 @@
           <a:p>
             <a:pPr lvl="0"/>
             <a:r>
-              <a:rPr lang="en-US" sz="4400" kern="1200">
-                <a:solidFill>
-                  <a:schemeClr val="tx1"/>
-                </a:solidFill>
-                <a:effectLst/>
-                <a:latin typeface="+mj-lt"/>
-                <a:ea typeface="+mj-ea"/>
-                <a:cs typeface="+mj-cs"/>
-              </a:rPr>
-              <a:t>Easier javascript</a:t>
-            </a:r>
-          </a:p>
-          <a:p>
-            <a:pPr lvl="0"/>
-            <a:r>
-              <a:rPr lang="en-US" sz="4400" kern="1200">
-                <a:solidFill>
-                  <a:schemeClr val="tx1"/>
-                </a:solidFill>
-                <a:effectLst/>
-                <a:latin typeface="+mj-lt"/>
-                <a:ea typeface="+mj-ea"/>
-                <a:cs typeface="+mj-cs"/>
-              </a:rPr>
-              <a:t> Cross-platform compatability </a:t>
-            </a:r>
-            <a:r>
-              <a:rPr lang="en-US" sz="4400" kern="1200">
-                <a:solidFill>
-                  <a:schemeClr val="tx1"/>
-                </a:solidFill>
-                <a:effectLst/>
-                <a:latin typeface="+mj-lt"/>
-                <a:ea typeface="+mj-ea"/>
-                <a:cs typeface="+mj-cs"/>
-                <a:sym typeface="Wingdings"/>
-              </a:rPr>
-              <a:t>-</a:t>
-            </a:r>
-            <a:r>
-              <a:rPr lang="en-US" sz="4400" kern="1200">
-                <a:solidFill>
-                  <a:schemeClr val="tx1"/>
-                </a:solidFill>
-                <a:effectLst/>
-                <a:latin typeface="+mj-lt"/>
-                <a:ea typeface="+mj-ea"/>
-                <a:cs typeface="+mj-cs"/>
-              </a:rPr>
-              <a:t> made JavaScript practical!</a:t>
-            </a:r>
-          </a:p>
-          <a:p>
-            <a:pPr lvl="0"/>
-            <a:r>
-              <a:rPr lang="en-US" sz="4400" kern="1200">
-                <a:solidFill>
-                  <a:schemeClr val="tx1"/>
-                </a:solidFill>
-                <a:effectLst/>
-                <a:latin typeface="+mj-lt"/>
-                <a:ea typeface="+mj-ea"/>
-                <a:cs typeface="+mj-cs"/>
-              </a:rPr>
-              <a:t>Inspired other frameworks, whole new world of “web applications”</a:t>
-            </a:r>
-          </a:p>
-          <a:p>
-            <a:pPr lvl="0"/>
-            <a:r>
-              <a:rPr lang="en-US" sz="4400" kern="1200">
-                <a:solidFill>
-                  <a:schemeClr val="tx1"/>
-                </a:solidFill>
-                <a:effectLst/>
-                <a:latin typeface="+mj-lt"/>
-                <a:ea typeface="+mj-ea"/>
-                <a:cs typeface="+mj-cs"/>
-                <a:hlinkClick r:id="rId2"/>
-              </a:rPr>
-              <a:t>http://jquery.com/</a:t>
-            </a:r>
-            <a:endParaRPr lang="en-US" sz="4400" kern="1200">
+              <a:rPr lang="en-US" sz="4400" kern="1200" dirty="0">
+                <a:solidFill>
+                  <a:schemeClr val="tx1"/>
+                </a:solidFill>
+                <a:effectLst/>
+                <a:latin typeface="+mj-lt"/>
+                <a:ea typeface="+mj-ea"/>
+                <a:cs typeface="+mj-cs"/>
+              </a:rPr>
+              <a:t>Easier </a:t>
+            </a:r>
+            <a:r>
+              <a:rPr lang="en-US" sz="4400" kern="1200" dirty="0" err="1">
+                <a:solidFill>
+                  <a:schemeClr val="tx1"/>
+                </a:solidFill>
+                <a:effectLst/>
+                <a:latin typeface="+mj-lt"/>
+                <a:ea typeface="+mj-ea"/>
+                <a:cs typeface="+mj-cs"/>
+              </a:rPr>
+              <a:t>javascript</a:t>
+            </a:r>
+            <a:endParaRPr lang="en-US" sz="4400" kern="1200" dirty="0">
               <a:solidFill>
                 <a:schemeClr val="tx1"/>
               </a:solidFill>
@@ -3862,7 +4200,111 @@
           </a:p>
           <a:p>
             <a:pPr lvl="0"/>
-            <a:endParaRPr lang="en-US" sz="4400" kern="1200">
+            <a:r>
+              <a:rPr lang="en-US" sz="4400" kern="1200" dirty="0">
+                <a:solidFill>
+                  <a:schemeClr val="tx1"/>
+                </a:solidFill>
+                <a:effectLst/>
+                <a:latin typeface="+mj-lt"/>
+                <a:ea typeface="+mj-ea"/>
+                <a:cs typeface="+mj-cs"/>
+              </a:rPr>
+              <a:t> Cross-platform </a:t>
+            </a:r>
+            <a:r>
+              <a:rPr lang="en-US" sz="4400" kern="1200" dirty="0" err="1">
+                <a:solidFill>
+                  <a:schemeClr val="tx1"/>
+                </a:solidFill>
+                <a:effectLst/>
+                <a:latin typeface="+mj-lt"/>
+                <a:ea typeface="+mj-ea"/>
+                <a:cs typeface="+mj-cs"/>
+              </a:rPr>
+              <a:t>compatability</a:t>
+            </a:r>
+            <a:r>
+              <a:rPr lang="en-US" sz="4400" kern="1200" dirty="0">
+                <a:solidFill>
+                  <a:schemeClr val="tx1"/>
+                </a:solidFill>
+                <a:effectLst/>
+                <a:latin typeface="+mj-lt"/>
+                <a:ea typeface="+mj-ea"/>
+                <a:cs typeface="+mj-cs"/>
+              </a:rPr>
+              <a:t> </a:t>
+            </a:r>
+            <a:r>
+              <a:rPr lang="en-US" sz="4400" kern="1200" dirty="0">
+                <a:solidFill>
+                  <a:schemeClr val="tx1"/>
+                </a:solidFill>
+                <a:effectLst/>
+                <a:latin typeface="+mj-lt"/>
+                <a:ea typeface="+mj-ea"/>
+                <a:cs typeface="+mj-cs"/>
+                <a:sym typeface="Wingdings"/>
+              </a:rPr>
+              <a:t>-</a:t>
+            </a:r>
+            <a:r>
+              <a:rPr lang="en-US" sz="4400" kern="1200" dirty="0">
+                <a:solidFill>
+                  <a:schemeClr val="tx1"/>
+                </a:solidFill>
+                <a:effectLst/>
+                <a:latin typeface="+mj-lt"/>
+                <a:ea typeface="+mj-ea"/>
+                <a:cs typeface="+mj-cs"/>
+              </a:rPr>
+              <a:t> made JavaScript practical!</a:t>
+            </a:r>
+          </a:p>
+          <a:p>
+            <a:pPr lvl="0"/>
+            <a:r>
+              <a:rPr lang="en-US" sz="4400" kern="1200" dirty="0">
+                <a:solidFill>
+                  <a:schemeClr val="tx1"/>
+                </a:solidFill>
+                <a:effectLst/>
+                <a:latin typeface="+mj-lt"/>
+                <a:ea typeface="+mj-ea"/>
+                <a:cs typeface="+mj-cs"/>
+              </a:rPr>
+              <a:t>Inspired other frameworks, whole new world of “web applications”</a:t>
+            </a:r>
+          </a:p>
+          <a:p>
+            <a:pPr lvl="0"/>
+            <a:r>
+              <a:rPr lang="en-US" sz="4400" kern="1200" dirty="0">
+                <a:solidFill>
+                  <a:schemeClr val="tx1"/>
+                </a:solidFill>
+                <a:effectLst/>
+                <a:latin typeface="+mj-lt"/>
+                <a:ea typeface="+mj-ea"/>
+                <a:cs typeface="+mj-cs"/>
+                <a:hlinkClick r:id="rId2"/>
+              </a:rPr>
+              <a:t>http://jquery.com/</a:t>
+            </a:r>
+            <a:endParaRPr lang="en-US" sz="4400" kern="1200" dirty="0">
+              <a:solidFill>
+                <a:schemeClr val="tx1"/>
+              </a:solidFill>
+              <a:effectLst/>
+              <a:latin typeface="+mj-lt"/>
+              <a:ea typeface="+mj-ea"/>
+              <a:cs typeface="+mj-cs"/>
+            </a:endParaRPr>
+          </a:p>
+          <a:p>
+            <a:pPr lvl="0"/>
+            <a:endParaRPr lang="en-US" sz="4400" kern="1200" dirty="0">
               <a:solidFill>
                 <a:schemeClr val="tx1"/>
               </a:solidFill>
@@ -3952,16 +4394,40 @@
           <a:lstStyle/>
           <a:p>
             <a:r>
-              <a:rPr lang="en-US" sz="4400" b="1" kern="1200">
-                <a:solidFill>
-                  <a:schemeClr val="tx1"/>
-                </a:solidFill>
-                <a:effectLst/>
-                <a:latin typeface="+mj-lt"/>
-                <a:ea typeface="+mj-ea"/>
-                <a:cs typeface="+mj-cs"/>
-              </a:rPr>
-              <a:t>Load jQuery from Google</a:t>
+              <a:rPr lang="en-US" sz="4400" b="1" kern="1200" dirty="0">
+                <a:solidFill>
+                  <a:schemeClr val="tx1"/>
+                </a:solidFill>
+                <a:effectLst/>
+                <a:latin typeface="+mj-lt"/>
+                <a:ea typeface="+mj-ea"/>
+                <a:cs typeface="+mj-cs"/>
+              </a:rPr>
+              <a:t>Load </a:t>
+            </a:r>
+            <a:r>
+              <a:rPr lang="en-US" sz="4400" b="1" kern="1200" dirty="0" err="1">
+                <a:solidFill>
+                  <a:schemeClr val="tx1"/>
+                </a:solidFill>
+                <a:effectLst/>
+                <a:latin typeface="+mj-lt"/>
+                <a:ea typeface="+mj-ea"/>
+                <a:cs typeface="+mj-cs"/>
+              </a:rPr>
+              <a:t>jQuery</a:t>
+            </a:r>
+            <a:r>
+              <a:rPr lang="en-US" sz="4400" b="1" kern="1200" dirty="0">
+                <a:solidFill>
+                  <a:schemeClr val="tx1"/>
+                </a:solidFill>
+                <a:effectLst/>
+                <a:latin typeface="+mj-lt"/>
+                <a:ea typeface="+mj-ea"/>
+                <a:cs typeface="+mj-cs"/>
+              </a:rPr>
+              <a:t> from Google</a:t>
             </a:r>
           </a:p>
         </p:txBody>
@@ -3987,19 +4453,67 @@
               <a:buNone/>
             </a:pPr>
             <a:r>
-              <a:rPr lang="en-US" kern="1200">
-                <a:solidFill>
-                  <a:schemeClr val="tx1"/>
-                </a:solidFill>
-                <a:effectLst/>
-                <a:latin typeface="+mj-lt"/>
-                <a:ea typeface="+mj-ea"/>
-                <a:cs typeface="+mj-cs"/>
-              </a:rPr>
-              <a:t>&lt;script src="http://ajax.googleapis.com</a:t>
+              <a:rPr lang="en-US" kern="1200" dirty="0">
+                <a:solidFill>
+                  <a:schemeClr val="tx1"/>
+                </a:solidFill>
+                <a:effectLst/>
+                <a:latin typeface="+mj-lt"/>
+                <a:ea typeface="+mj-ea"/>
+                <a:cs typeface="+mj-cs"/>
+              </a:rPr>
+              <a:t>&lt;script </a:t>
+            </a:r>
+            <a:r>
+              <a:rPr lang="en-US" kern="1200" dirty="0" err="1">
+                <a:solidFill>
+                  <a:schemeClr val="tx1"/>
+                </a:solidFill>
+                <a:effectLst/>
+                <a:latin typeface="+mj-lt"/>
+                <a:ea typeface="+mj-ea"/>
+                <a:cs typeface="+mj-cs"/>
+              </a:rPr>
+              <a:t>src</a:t>
+            </a:r>
+            <a:r>
+              <a:rPr lang="en-US" kern="1200" dirty="0">
+                <a:solidFill>
+                  <a:schemeClr val="tx1"/>
+                </a:solidFill>
+                <a:effectLst/>
+                <a:latin typeface="+mj-lt"/>
+                <a:ea typeface="+mj-ea"/>
+                <a:cs typeface="+mj-cs"/>
+              </a:rPr>
+              <a:t>="http://</a:t>
+            </a:r>
+            <a:r>
+              <a:rPr lang="en-US" kern="1200" dirty="0" err="1">
+                <a:solidFill>
+                  <a:schemeClr val="tx1"/>
+                </a:solidFill>
+                <a:effectLst/>
+                <a:latin typeface="+mj-lt"/>
+                <a:ea typeface="+mj-ea"/>
+                <a:cs typeface="+mj-cs"/>
+              </a:rPr>
+              <a:t>ajax.googleapis.com</a:t>
+            </a:r>
+            <a:r>
+              <a:rPr lang="en-US" kern="1200" dirty="0">
+                <a:solidFill>
+                  <a:schemeClr val="tx1"/>
+                </a:solidFill>
+                <a:effectLst/>
+                <a:latin typeface="+mj-lt"/>
+                <a:ea typeface="+mj-ea"/>
+                <a:cs typeface="+mj-cs"/>
+              </a:rPr>
+              <a:t/>
             </a:r>
             <a:br>
-              <a:rPr lang="en-US" kern="1200">
+              <a:rPr lang="en-US" kern="1200" dirty="0">
                 <a:solidFill>
                   <a:schemeClr val="tx1"/>
                 </a:solidFill>
@@ -4010,19 +4524,91 @@
               </a:rPr>
             </a:br>
             <a:r>
-              <a:rPr lang="en-US" kern="1200">
-                <a:solidFill>
-                  <a:schemeClr val="tx1"/>
-                </a:solidFill>
-                <a:effectLst/>
-                <a:latin typeface="+mj-lt"/>
-                <a:ea typeface="+mj-ea"/>
-                <a:cs typeface="+mj-cs"/>
-              </a:rPr>
-              <a:t>/ajax/libs/jquery/1.11.2/jquery.min.js"&gt;</a:t>
+              <a:rPr lang="en-US" kern="1200" dirty="0">
+                <a:solidFill>
+                  <a:schemeClr val="tx1"/>
+                </a:solidFill>
+                <a:effectLst/>
+                <a:latin typeface="+mj-lt"/>
+                <a:ea typeface="+mj-ea"/>
+                <a:cs typeface="+mj-cs"/>
+              </a:rPr>
+              <a:t>/</a:t>
+            </a:r>
+            <a:r>
+              <a:rPr lang="en-US" kern="1200" dirty="0" err="1">
+                <a:solidFill>
+                  <a:schemeClr val="tx1"/>
+                </a:solidFill>
+                <a:effectLst/>
+                <a:latin typeface="+mj-lt"/>
+                <a:ea typeface="+mj-ea"/>
+                <a:cs typeface="+mj-cs"/>
+              </a:rPr>
+              <a:t>ajax</a:t>
+            </a:r>
+            <a:r>
+              <a:rPr lang="en-US" kern="1200" dirty="0">
+                <a:solidFill>
+                  <a:schemeClr val="tx1"/>
+                </a:solidFill>
+                <a:effectLst/>
+                <a:latin typeface="+mj-lt"/>
+                <a:ea typeface="+mj-ea"/>
+                <a:cs typeface="+mj-cs"/>
+              </a:rPr>
+              <a:t>/libs/</a:t>
+            </a:r>
+            <a:r>
+              <a:rPr lang="en-US" kern="1200" dirty="0" err="1">
+                <a:solidFill>
+                  <a:schemeClr val="tx1"/>
+                </a:solidFill>
+                <a:effectLst/>
+                <a:latin typeface="+mj-lt"/>
+                <a:ea typeface="+mj-ea"/>
+                <a:cs typeface="+mj-cs"/>
+              </a:rPr>
+              <a:t>jquery</a:t>
+            </a:r>
+            <a:r>
+              <a:rPr lang="en-US" kern="1200" dirty="0">
+                <a:solidFill>
+                  <a:schemeClr val="tx1"/>
+                </a:solidFill>
+                <a:effectLst/>
+                <a:latin typeface="+mj-lt"/>
+                <a:ea typeface="+mj-ea"/>
+                <a:cs typeface="+mj-cs"/>
+              </a:rPr>
+              <a:t>/1.11.2/</a:t>
+            </a:r>
+            <a:r>
+              <a:rPr lang="en-US" kern="1200" dirty="0" err="1">
+                <a:solidFill>
+                  <a:schemeClr val="tx1"/>
+                </a:solidFill>
+                <a:effectLst/>
+                <a:latin typeface="+mj-lt"/>
+                <a:ea typeface="+mj-ea"/>
+                <a:cs typeface="+mj-cs"/>
+              </a:rPr>
+              <a:t>jquery.min.js</a:t>
+            </a:r>
+            <a:r>
+              <a:rPr lang="en-US" kern="1200" dirty="0">
+                <a:solidFill>
+                  <a:schemeClr val="tx1"/>
+                </a:solidFill>
+                <a:effectLst/>
+                <a:latin typeface="+mj-lt"/>
+                <a:ea typeface="+mj-ea"/>
+                <a:cs typeface="+mj-cs"/>
+              </a:rPr>
+              <a:t>"&gt;</a:t>
             </a:r>
             <a:br>
-              <a:rPr lang="en-US" kern="1200">
+              <a:rPr lang="en-US" kern="1200" dirty="0">
                 <a:solidFill>
                   <a:schemeClr val="tx1"/>
                 </a:solidFill>
@@ -4033,7 +4619,7 @@
               </a:rPr>
             </a:br>
             <a:r>
-              <a:rPr lang="en-US" kern="1200">
+              <a:rPr lang="en-US" kern="1200" dirty="0">
                 <a:solidFill>
                   <a:schemeClr val="tx1"/>
                 </a:solidFill>
@@ -4095,7 +4681,7 @@
           <a:lstStyle/>
           <a:p>
             <a:r>
-              <a:rPr lang="en-US" sz="4400" b="1" kern="1200">
+              <a:rPr lang="en-US" sz="4400" b="1" kern="1200" dirty="0">
                 <a:solidFill>
                   <a:schemeClr val="tx1"/>
                 </a:solidFill>
@@ -4135,7 +4721,7 @@
               <a:buNone/>
             </a:pPr>
             <a:r>
-              <a:rPr lang="en-US" sz="2400" kern="1200">
+              <a:rPr lang="en-US" sz="2400" kern="1200" dirty="0">
                 <a:solidFill>
                   <a:schemeClr val="tx1"/>
                 </a:solidFill>
@@ -4152,16 +4738,64 @@
               <a:buNone/>
             </a:pPr>
             <a:r>
-              <a:rPr lang="en-US" sz="2400" kern="1200">
-                <a:solidFill>
-                  <a:schemeClr val="tx1"/>
-                </a:solidFill>
-                <a:effectLst/>
-                <a:latin typeface="+mj-lt"/>
-                <a:ea typeface="+mj-ea"/>
-                <a:cs typeface="+mj-cs"/>
-              </a:rPr>
-              <a:t>/jquery/jquery_examples.asp </a:t>
+              <a:rPr lang="en-US" sz="2400" kern="1200" dirty="0">
+                <a:solidFill>
+                  <a:schemeClr val="tx1"/>
+                </a:solidFill>
+                <a:effectLst/>
+                <a:latin typeface="+mj-lt"/>
+                <a:ea typeface="+mj-ea"/>
+                <a:cs typeface="+mj-cs"/>
+              </a:rPr>
+              <a:t>/</a:t>
+            </a:r>
+            <a:r>
+              <a:rPr lang="en-US" sz="2400" kern="1200" dirty="0" err="1">
+                <a:solidFill>
+                  <a:schemeClr val="tx1"/>
+                </a:solidFill>
+                <a:effectLst/>
+                <a:latin typeface="+mj-lt"/>
+                <a:ea typeface="+mj-ea"/>
+                <a:cs typeface="+mj-cs"/>
+              </a:rPr>
+              <a:t>jquery</a:t>
+            </a:r>
+            <a:r>
+              <a:rPr lang="en-US" sz="2400" kern="1200" dirty="0">
+                <a:solidFill>
+                  <a:schemeClr val="tx1"/>
+                </a:solidFill>
+                <a:effectLst/>
+                <a:latin typeface="+mj-lt"/>
+                <a:ea typeface="+mj-ea"/>
+                <a:cs typeface="+mj-cs"/>
+              </a:rPr>
+              <a:t>/</a:t>
+            </a:r>
+            <a:r>
+              <a:rPr lang="en-US" sz="2400" kern="1200" dirty="0" err="1">
+                <a:solidFill>
+                  <a:schemeClr val="tx1"/>
+                </a:solidFill>
+                <a:effectLst/>
+                <a:latin typeface="+mj-lt"/>
+                <a:ea typeface="+mj-ea"/>
+                <a:cs typeface="+mj-cs"/>
+              </a:rPr>
+              <a:t>jquery_examples.asp</a:t>
+            </a:r>
+            <a:r>
+              <a:rPr lang="en-US" sz="2400" kern="1200" dirty="0">
+                <a:solidFill>
+                  <a:schemeClr val="tx1"/>
+                </a:solidFill>
+                <a:effectLst/>
+                <a:latin typeface="+mj-lt"/>
+                <a:ea typeface="+mj-ea"/>
+                <a:cs typeface="+mj-cs"/>
+              </a:rPr>
+              <a:t> </a:t>
             </a:r>
           </a:p>
         </p:txBody>
@@ -4249,7 +4883,7 @@
           <a:lstStyle/>
           <a:p>
             <a:r>
-              <a:rPr lang="en-US"/>
+              <a:rPr lang="en-US" dirty="0"/>
               <a:t>JS Fiddle</a:t>
             </a:r>
           </a:p>
@@ -4271,31 +4905,31 @@
           <a:lstStyle/>
           <a:p>
             <a:r>
-              <a:rPr lang="en-US"/>
+              <a:rPr lang="en-US" dirty="0"/>
               <a:t>Online editor/demo environment</a:t>
             </a:r>
           </a:p>
           <a:p>
             <a:r>
-              <a:rPr lang="en-US"/>
+              <a:rPr lang="en-US" dirty="0"/>
               <a:t>Automatically</a:t>
             </a:r>
             <a:r>
-              <a:rPr lang="en-US" baseline="0"/>
+              <a:rPr lang="en-US" baseline="0" dirty="0"/>
               <a:t> creates shortcut URL</a:t>
             </a:r>
           </a:p>
           <a:p>
             <a:r>
-              <a:rPr lang="en-US">
+              <a:rPr lang="en-US" dirty="0">
                 <a:hlinkClick r:id="rId2"/>
               </a:rPr>
               <a:t>http://jsfiddle.net/afe8xyof/1/</a:t>
             </a:r>
-            <a:endParaRPr lang="en-US"/>
-          </a:p>
-          <a:p>
-            <a:endParaRPr lang="en-US"/>
+            <a:endParaRPr lang="en-US" dirty="0"/>
+          </a:p>
+          <a:p>
+            <a:endParaRPr lang="en-US" dirty="0"/>
           </a:p>
         </p:txBody>
       </p:sp>
@@ -4385,7 +5019,7 @@
               <a:buNone/>
             </a:pPr>
             <a:r>
-              <a:rPr lang="en-US" sz="4400" b="1" kern="1200">
+              <a:rPr lang="en-US" sz="4400" b="1" kern="1200" dirty="0">
                 <a:solidFill>
                   <a:schemeClr val="tx1"/>
                 </a:solidFill>
@@ -4396,7 +5030,7 @@
               </a:rPr>
               <a:t>Move (animate) a DIV</a:t>
             </a:r>
-            <a:endParaRPr lang="en-US"/>
+            <a:endParaRPr lang="en-US" dirty="0"/>
           </a:p>
         </p:txBody>
       </p:sp>
@@ -4421,7 +5055,7 @@
               <a:buNone/>
             </a:pPr>
             <a:r>
-              <a:rPr lang="en-US" sz="4400" u="sng" kern="1200">
+              <a:rPr lang="en-US" sz="4400" u="sng" kern="1200" dirty="0">
                 <a:solidFill>
                   <a:schemeClr val="tx1"/>
                 </a:solidFill>
@@ -4433,7 +5067,7 @@
               </a:rPr>
               <a:t>http://www.w3schools.com/jquery/tryit.asp?filename=tryjquery_animation1</a:t>
             </a:r>
-            <a:endParaRPr lang="en-US" sz="4400" u="sng" kern="1200">
+            <a:endParaRPr lang="en-US" sz="4400" u="sng" kern="1200" dirty="0">
               <a:solidFill>
                 <a:schemeClr val="tx1"/>
               </a:solidFill>
@@ -4447,7 +5081,7 @@
             <a:pPr marL="0" lvl="0" indent="0">
               <a:buNone/>
             </a:pPr>
-            <a:endParaRPr lang="en-US" sz="4400" kern="1200">
+            <a:endParaRPr lang="en-US" sz="4400" kern="1200" dirty="0">
               <a:solidFill>
                 <a:schemeClr val="tx1"/>
               </a:solidFill>
@@ -4462,7 +5096,7 @@
               <a:buNone/>
             </a:pPr>
             <a:r>
-              <a:rPr lang="en-US" sz="4400" kern="1200">
+              <a:rPr lang="en-US" sz="4400" kern="1200" dirty="0">
                 <a:solidFill>
                   <a:schemeClr val="tx1"/>
                 </a:solidFill>
@@ -4479,7 +5113,7 @@
               <a:buNone/>
             </a:pPr>
             <a:r>
-              <a:rPr lang="en-US" sz="4400" kern="1200">
+              <a:rPr lang="en-US" sz="4400" kern="1200" dirty="0">
                 <a:solidFill>
                   <a:schemeClr val="tx1"/>
                 </a:solidFill>
@@ -4496,7 +5130,7 @@
               <a:buNone/>
             </a:pPr>
             <a:r>
-              <a:rPr lang="en-US" sz="4400" kern="1200">
+              <a:rPr lang="en-US" sz="4400" kern="1200" dirty="0">
                 <a:solidFill>
                   <a:schemeClr val="tx1"/>
                 </a:solidFill>
@@ -4508,7 +5142,7 @@
               <a:t>        </a:t>
             </a:r>
             <a:r>
-              <a:rPr lang="en-US" sz="5100" b="1" kern="1200">
+              <a:rPr lang="en-US" sz="5100" b="1" kern="1200" dirty="0">
                 <a:solidFill>
                   <a:schemeClr val="tx1"/>
                 </a:solidFill>
@@ -4519,7 +5153,7 @@
               </a:rPr>
               <a:t>$("div").animate({left: '250px'});</a:t>
             </a:r>
-            <a:endParaRPr lang="en-US" sz="4400" b="1" kern="1200">
+            <a:endParaRPr lang="en-US" sz="4400" b="1" kern="1200" dirty="0">
               <a:solidFill>
                 <a:schemeClr val="tx1"/>
               </a:solidFill>
@@ -4534,7 +5168,7 @@
               <a:buNone/>
             </a:pPr>
             <a:r>
-              <a:rPr lang="en-US" sz="4400" kern="1200">
+              <a:rPr lang="en-US" sz="4400" kern="1200" dirty="0">
                 <a:solidFill>
                   <a:schemeClr val="tx1"/>
                 </a:solidFill>
@@ -4551,7 +5185,7 @@
               <a:buNone/>
             </a:pPr>
             <a:r>
-              <a:rPr lang="en-US" sz="4400" kern="1200">
+              <a:rPr lang="en-US" sz="4400" kern="1200" dirty="0">
                 <a:solidFill>
                   <a:schemeClr val="tx1"/>
                 </a:solidFill>
@@ -4567,7 +5201,7 @@
             <a:pPr marL="0" lvl="0" indent="0">
               <a:buNone/>
             </a:pPr>
-            <a:endParaRPr lang="en-US" sz="4400">
+            <a:endParaRPr lang="en-US" sz="4400" dirty="0">
               <a:latin typeface="+mj-lt"/>
               <a:ea typeface="+mj-ea"/>
               <a:cs typeface="+mj-cs"/>
@@ -4578,8 +5212,16 @@
               <a:buNone/>
             </a:pPr>
             <a:r>
-              <a:rPr lang="en-US" sz="6500"/>
-              <a:t>http://jsfiddle.net/rze9g623/</a:t>
+              <a:rPr lang="en-US" sz="6500" dirty="0"/>
+              <a:t>http://</a:t>
+            </a:r>
+            <a:r>
+              <a:rPr lang="en-US" sz="6500" dirty="0" err="1"/>
+              <a:t>jsfiddle.net</a:t>
+            </a:r>
+            <a:r>
+              <a:rPr lang="en-US" sz="6500" dirty="0"/>
+              <a:t>/rze9g623/</a:t>
             </a:r>
           </a:p>
         </p:txBody>
@@ -4638,7 +5280,7 @@
           <a:p>
             <a:pPr lvl="0"/>
             <a:r>
-              <a:rPr lang="en-US" sz="4400" b="1" kern="1200">
+              <a:rPr lang="en-US" sz="4400" b="1" kern="1200" dirty="0">
                 <a:solidFill>
                   <a:schemeClr val="tx1"/>
                 </a:solidFill>
@@ -4649,7 +5291,7 @@
               </a:rPr>
               <a:t>Hide and show</a:t>
             </a:r>
-            <a:endParaRPr lang="en-US"/>
+            <a:endParaRPr lang="en-US" dirty="0"/>
           </a:p>
         </p:txBody>
       </p:sp>
@@ -4677,7 +5319,7 @@
           <a:p>
             <a:pPr lvl="0"/>
             <a:r>
-              <a:rPr lang="en-US" sz="4400" u="sng" kern="1200">
+              <a:rPr lang="en-US" sz="4400" u="sng" kern="1200" dirty="0">
                 <a:solidFill>
                   <a:schemeClr val="tx1"/>
                 </a:solidFill>
@@ -4689,7 +5331,7 @@
               </a:rPr>
               <a:t>http://www.w3schools.com/jquery/tryit.asp?filename=tryjquery_hide_show</a:t>
             </a:r>
-            <a:endParaRPr lang="en-US" sz="4400" u="sng" kern="1200">
+            <a:endParaRPr lang="en-US" sz="4400" u="sng" kern="1200" dirty="0">
               <a:solidFill>
                 <a:schemeClr val="tx1"/>
               </a:solidFill>
@@ -4701,7 +5343,7 @@
           </a:p>
           <a:p>
             <a:pPr lvl="0"/>
-            <a:endParaRPr lang="en-US" sz="4400" kern="1200">
+            <a:endParaRPr lang="en-US" sz="4400" kern="1200" dirty="0">
               <a:solidFill>
                 <a:schemeClr val="tx1"/>
               </a:solidFill>
@@ -4716,7 +5358,7 @@
               <a:buNone/>
             </a:pPr>
             <a:r>
-              <a:rPr lang="en-US" sz="4400" kern="1200">
+              <a:rPr lang="en-US" sz="4400" kern="1200" dirty="0">
                 <a:solidFill>
                   <a:schemeClr val="tx1"/>
                 </a:solidFill>
@@ -4733,7 +5375,7 @@
               <a:buNone/>
             </a:pPr>
             <a:r>
-              <a:rPr lang="en-US" sz="4400" kern="1200">
+              <a:rPr lang="en-US" sz="4400" kern="1200" dirty="0">
                 <a:solidFill>
                   <a:schemeClr val="tx1"/>
                 </a:solidFill>
@@ -4745,7 +5387,7 @@
               <a:t>    </a:t>
             </a:r>
             <a:r>
-              <a:rPr lang="en-US" sz="5100" b="1" kern="1200">
+              <a:rPr lang="en-US" sz="5100" b="1" kern="1200" dirty="0">
                 <a:solidFill>
                   <a:schemeClr val="tx1"/>
                 </a:solidFill>
@@ -4762,7 +5404,7 @@
               <a:buNone/>
             </a:pPr>
             <a:r>
-              <a:rPr lang="en-US" sz="5100" b="1" kern="1200">
+              <a:rPr lang="en-US" sz="5100" b="1" kern="1200" dirty="0">
                 <a:solidFill>
                   <a:schemeClr val="tx1"/>
                 </a:solidFill>
@@ -4779,7 +5421,7 @@
               <a:buNone/>
             </a:pPr>
             <a:r>
-              <a:rPr lang="en-US" sz="5100" b="1" kern="1200">
+              <a:rPr lang="en-US" sz="5100" b="1" kern="1200" dirty="0">
                 <a:solidFill>
                   <a:schemeClr val="tx1"/>
                 </a:solidFill>
@@ -4796,7 +5438,7 @@
               <a:buNone/>
             </a:pPr>
             <a:r>
-              <a:rPr lang="en-US" sz="5100" b="1" kern="1200">
+              <a:rPr lang="en-US" sz="5100" b="1" kern="1200" dirty="0">
                 <a:solidFill>
                   <a:schemeClr val="tx1"/>
                 </a:solidFill>
@@ -4813,7 +5455,7 @@
               <a:buNone/>
             </a:pPr>
             <a:r>
-              <a:rPr lang="en-US" sz="5100" b="1" kern="1200">
+              <a:rPr lang="en-US" sz="5100" b="1" kern="1200" dirty="0">
                 <a:solidFill>
                   <a:schemeClr val="tx1"/>
                 </a:solidFill>
@@ -4830,7 +5472,7 @@
               <a:buNone/>
             </a:pPr>
             <a:r>
-              <a:rPr lang="en-US" sz="5100" b="1" kern="1200">
+              <a:rPr lang="en-US" sz="5100" b="1" kern="1200" dirty="0">
                 <a:solidFill>
                   <a:schemeClr val="tx1"/>
                 </a:solidFill>
@@ -4847,7 +5489,7 @@
               <a:buNone/>
             </a:pPr>
             <a:r>
-              <a:rPr lang="en-US" sz="4400" kern="1200">
+              <a:rPr lang="en-US" sz="4400" kern="1200" dirty="0">
                 <a:solidFill>
                   <a:schemeClr val="tx1"/>
                 </a:solidFill>
@@ -4863,7 +5505,7 @@
             <a:pPr marL="0" lvl="0" indent="0">
               <a:buNone/>
             </a:pPr>
-            <a:endParaRPr lang="en-US" sz="4400">
+            <a:endParaRPr lang="en-US" sz="4400" dirty="0">
               <a:latin typeface="+mj-lt"/>
               <a:ea typeface="+mj-ea"/>
               <a:cs typeface="+mj-cs"/>
@@ -4995,7 +5637,7 @@
           <a:p>
             <a:pPr lvl="0"/>
             <a:r>
-              <a:rPr lang="en-US" sz="7200" b="1" kern="1200">
+              <a:rPr lang="en-US" sz="7200" b="1" kern="1200" dirty="0">
                 <a:solidFill>
                   <a:schemeClr val="tx1"/>
                 </a:solidFill>
@@ -5003,7 +5645,7 @@
               </a:rPr>
               <a:t>Fade</a:t>
             </a:r>
-            <a:endParaRPr lang="en-US" sz="7200"/>
+            <a:endParaRPr lang="en-US" sz="7200" dirty="0"/>
           </a:p>
         </p:txBody>
       </p:sp>
@@ -5031,7 +5673,7 @@
           <a:p>
             <a:pPr lvl="0"/>
             <a:r>
-              <a:rPr lang="en-US" u="sng" kern="1200">
+              <a:rPr lang="en-US" u="sng" kern="1200" dirty="0">
                 <a:solidFill>
                   <a:schemeClr val="tx1"/>
                 </a:solidFill>
@@ -5043,7 +5685,7 @@
               </a:rPr>
               <a:t>http://www.w3schools.com/jquery/tryit.asp?filename=tryjquery_fadetoggle</a:t>
             </a:r>
-            <a:endParaRPr lang="en-US" kern="1200">
+            <a:endParaRPr lang="en-US" kern="1200" dirty="0">
               <a:solidFill>
                 <a:schemeClr val="tx1"/>
               </a:solidFill>
@@ -5058,7 +5700,7 @@
               <a:buNone/>
             </a:pPr>
             <a:r>
-              <a:rPr lang="en-US" kern="1200">
+              <a:rPr lang="en-US" kern="1200" dirty="0">
                 <a:solidFill>
                   <a:schemeClr val="tx1"/>
                 </a:solidFill>
@@ -5075,7 +5717,7 @@
               <a:buNone/>
             </a:pPr>
             <a:r>
-              <a:rPr lang="en-US" kern="1200">
+              <a:rPr lang="en-US" kern="1200" dirty="0">
                 <a:solidFill>
                   <a:schemeClr val="tx1"/>
                 </a:solidFill>
@@ -5092,16 +5734,40 @@
               <a:buNone/>
             </a:pPr>
             <a:r>
-              <a:rPr lang="en-US" kern="1200">
-                <a:solidFill>
-                  <a:schemeClr val="tx1"/>
-                </a:solidFill>
-                <a:effectLst/>
-                <a:latin typeface="+mj-lt"/>
-                <a:ea typeface="+mj-ea"/>
-                <a:cs typeface="+mj-cs"/>
-              </a:rPr>
-              <a:t>        $("#div1").fadeToggle();</a:t>
+              <a:rPr lang="en-US" kern="1200" dirty="0">
+                <a:solidFill>
+                  <a:schemeClr val="tx1"/>
+                </a:solidFill>
+                <a:effectLst/>
+                <a:latin typeface="+mj-lt"/>
+                <a:ea typeface="+mj-ea"/>
+                <a:cs typeface="+mj-cs"/>
+              </a:rPr>
+              <a:t>        $("#div1").</a:t>
+            </a:r>
+            <a:r>
+              <a:rPr lang="en-US" kern="1200" dirty="0" err="1">
+                <a:solidFill>
+                  <a:schemeClr val="tx1"/>
+                </a:solidFill>
+                <a:effectLst/>
+                <a:latin typeface="+mj-lt"/>
+                <a:ea typeface="+mj-ea"/>
+                <a:cs typeface="+mj-cs"/>
+              </a:rPr>
+              <a:t>fadeToggle</a:t>
+            </a:r>
+            <a:r>
+              <a:rPr lang="en-US" kern="1200" dirty="0">
+                <a:solidFill>
+                  <a:schemeClr val="tx1"/>
+                </a:solidFill>
+                <a:effectLst/>
+                <a:latin typeface="+mj-lt"/>
+                <a:ea typeface="+mj-ea"/>
+                <a:cs typeface="+mj-cs"/>
+              </a:rPr>
+              <a:t>();</a:t>
             </a:r>
           </a:p>
           <a:p>
@@ -5109,16 +5775,40 @@
               <a:buNone/>
             </a:pPr>
             <a:r>
-              <a:rPr lang="en-US" kern="1200">
-                <a:solidFill>
-                  <a:schemeClr val="tx1"/>
-                </a:solidFill>
-                <a:effectLst/>
-                <a:latin typeface="+mj-lt"/>
-                <a:ea typeface="+mj-ea"/>
-                <a:cs typeface="+mj-cs"/>
-              </a:rPr>
-              <a:t>        $("#div2").fadeToggle("slow");</a:t>
+              <a:rPr lang="en-US" kern="1200" dirty="0">
+                <a:solidFill>
+                  <a:schemeClr val="tx1"/>
+                </a:solidFill>
+                <a:effectLst/>
+                <a:latin typeface="+mj-lt"/>
+                <a:ea typeface="+mj-ea"/>
+                <a:cs typeface="+mj-cs"/>
+              </a:rPr>
+              <a:t>        $("#div2").</a:t>
+            </a:r>
+            <a:r>
+              <a:rPr lang="en-US" kern="1200" dirty="0" err="1">
+                <a:solidFill>
+                  <a:schemeClr val="tx1"/>
+                </a:solidFill>
+                <a:effectLst/>
+                <a:latin typeface="+mj-lt"/>
+                <a:ea typeface="+mj-ea"/>
+                <a:cs typeface="+mj-cs"/>
+              </a:rPr>
+              <a:t>fadeToggle</a:t>
+            </a:r>
+            <a:r>
+              <a:rPr lang="en-US" kern="1200" dirty="0">
+                <a:solidFill>
+                  <a:schemeClr val="tx1"/>
+                </a:solidFill>
+                <a:effectLst/>
+                <a:latin typeface="+mj-lt"/>
+                <a:ea typeface="+mj-ea"/>
+                <a:cs typeface="+mj-cs"/>
+              </a:rPr>
+              <a:t>("slow");</a:t>
             </a:r>
           </a:p>
           <a:p>
@@ -5126,16 +5816,40 @@
               <a:buNone/>
             </a:pPr>
             <a:r>
-              <a:rPr lang="en-US" kern="1200">
-                <a:solidFill>
-                  <a:schemeClr val="tx1"/>
-                </a:solidFill>
-                <a:effectLst/>
-                <a:latin typeface="+mj-lt"/>
-                <a:ea typeface="+mj-ea"/>
-                <a:cs typeface="+mj-cs"/>
-              </a:rPr>
-              <a:t>        $("#div3").fadeToggle(3000);</a:t>
+              <a:rPr lang="en-US" kern="1200" dirty="0">
+                <a:solidFill>
+                  <a:schemeClr val="tx1"/>
+                </a:solidFill>
+                <a:effectLst/>
+                <a:latin typeface="+mj-lt"/>
+                <a:ea typeface="+mj-ea"/>
+                <a:cs typeface="+mj-cs"/>
+              </a:rPr>
+              <a:t>        $("#div3").</a:t>
+            </a:r>
+            <a:r>
+              <a:rPr lang="en-US" kern="1200" dirty="0" err="1">
+                <a:solidFill>
+                  <a:schemeClr val="tx1"/>
+                </a:solidFill>
+                <a:effectLst/>
+                <a:latin typeface="+mj-lt"/>
+                <a:ea typeface="+mj-ea"/>
+                <a:cs typeface="+mj-cs"/>
+              </a:rPr>
+              <a:t>fadeToggle</a:t>
+            </a:r>
+            <a:r>
+              <a:rPr lang="en-US" kern="1200" dirty="0">
+                <a:solidFill>
+                  <a:schemeClr val="tx1"/>
+                </a:solidFill>
+                <a:effectLst/>
+                <a:latin typeface="+mj-lt"/>
+                <a:ea typeface="+mj-ea"/>
+                <a:cs typeface="+mj-cs"/>
+              </a:rPr>
+              <a:t>(3000);</a:t>
             </a:r>
           </a:p>
           <a:p>
@@ -5143,7 +5857,7 @@
               <a:buNone/>
             </a:pPr>
             <a:r>
-              <a:rPr lang="en-US" kern="1200">
+              <a:rPr lang="en-US" kern="1200" dirty="0">
                 <a:solidFill>
                   <a:schemeClr val="tx1"/>
                 </a:solidFill>
@@ -5160,7 +5874,7 @@
               <a:buNone/>
             </a:pPr>
             <a:r>
-              <a:rPr lang="en-US" kern="1200">
+              <a:rPr lang="en-US" kern="1200" dirty="0">
                 <a:solidFill>
                   <a:schemeClr val="tx1"/>
                 </a:solidFill>
@@ -5256,7 +5970,7 @@
           <a:p>
             <a:pPr lvl="0"/>
             <a:r>
-              <a:rPr lang="en-US" sz="4400" b="1" kern="1200">
+              <a:rPr lang="en-US" sz="4400" b="1" kern="1200" dirty="0">
                 <a:solidFill>
                   <a:schemeClr val="tx1"/>
                 </a:solidFill>
@@ -5267,7 +5981,7 @@
               </a:rPr>
               <a:t>Slide</a:t>
             </a:r>
-            <a:endParaRPr lang="en-US"/>
+            <a:endParaRPr lang="en-US" dirty="0"/>
           </a:p>
         </p:txBody>
       </p:sp>
@@ -5290,7 +6004,7 @@
           <a:p>
             <a:pPr lvl="0"/>
             <a:r>
-              <a:rPr lang="en-US" sz="4400" u="sng" kern="1200">
+              <a:rPr lang="en-US" sz="4400" u="sng" kern="1200" dirty="0">
                 <a:solidFill>
                   <a:schemeClr val="tx1"/>
                 </a:solidFill>
@@ -5302,7 +6016,7 @@
               </a:rPr>
               <a:t>http://www.w3schools.com/jquery/tryit.asp?filename=tryjquery_slide_toggle</a:t>
             </a:r>
-            <a:endParaRPr lang="en-US" sz="4400" kern="1200">
+            <a:endParaRPr lang="en-US" sz="4400" kern="1200" dirty="0">
               <a:solidFill>
                 <a:schemeClr val="tx1"/>
               </a:solidFill>
@@ -5317,7 +6031,7 @@
               <a:buNone/>
             </a:pPr>
             <a:r>
-              <a:rPr lang="en-US" sz="4400" kern="1200">
+              <a:rPr lang="en-US" sz="4400" kern="1200" dirty="0">
                 <a:solidFill>
                   <a:schemeClr val="tx1"/>
                 </a:solidFill>
@@ -5334,7 +6048,7 @@
               <a:buNone/>
             </a:pPr>
             <a:r>
-              <a:rPr lang="en-US" sz="4400" kern="1200">
+              <a:rPr lang="en-US" sz="4400" kern="1200" dirty="0">
                 <a:solidFill>
                   <a:schemeClr val="tx1"/>
                 </a:solidFill>
@@ -5346,7 +6060,7 @@
               <a:t>    </a:t>
             </a:r>
             <a:r>
-              <a:rPr lang="en-US" sz="4700" b="1" kern="1200">
+              <a:rPr lang="en-US" sz="4700" b="1" kern="1200" dirty="0">
                 <a:solidFill>
                   <a:schemeClr val="tx1"/>
                 </a:solidFill>
@@ -5363,16 +6077,40 @@
               <a:buNone/>
             </a:pPr>
             <a:r>
-              <a:rPr lang="en-US" sz="4700" b="1" kern="1200">
-                <a:solidFill>
-                  <a:schemeClr val="tx1"/>
-                </a:solidFill>
-                <a:effectLst/>
-                <a:latin typeface="+mj-lt"/>
-                <a:ea typeface="+mj-ea"/>
-                <a:cs typeface="+mj-cs"/>
-              </a:rPr>
-              <a:t>        $("#panel").slideToggle("slow");</a:t>
+              <a:rPr lang="en-US" sz="4700" b="1" kern="1200" dirty="0">
+                <a:solidFill>
+                  <a:schemeClr val="tx1"/>
+                </a:solidFill>
+                <a:effectLst/>
+                <a:latin typeface="+mj-lt"/>
+                <a:ea typeface="+mj-ea"/>
+                <a:cs typeface="+mj-cs"/>
+              </a:rPr>
+              <a:t>        $("#panel").</a:t>
+            </a:r>
+            <a:r>
+              <a:rPr lang="en-US" sz="4700" b="1" kern="1200" dirty="0" err="1">
+                <a:solidFill>
+                  <a:schemeClr val="tx1"/>
+                </a:solidFill>
+                <a:effectLst/>
+                <a:latin typeface="+mj-lt"/>
+                <a:ea typeface="+mj-ea"/>
+                <a:cs typeface="+mj-cs"/>
+              </a:rPr>
+              <a:t>slideToggle</a:t>
+            </a:r>
+            <a:r>
+              <a:rPr lang="en-US" sz="4700" b="1" kern="1200" dirty="0">
+                <a:solidFill>
+                  <a:schemeClr val="tx1"/>
+                </a:solidFill>
+                <a:effectLst/>
+                <a:latin typeface="+mj-lt"/>
+                <a:ea typeface="+mj-ea"/>
+                <a:cs typeface="+mj-cs"/>
+              </a:rPr>
+              <a:t>("slow");</a:t>
             </a:r>
           </a:p>
           <a:p>
@@ -5380,7 +6118,7 @@
               <a:buNone/>
             </a:pPr>
             <a:r>
-              <a:rPr lang="en-US" sz="4400" kern="1200">
+              <a:rPr lang="en-US" sz="4400" kern="1200" dirty="0">
                 <a:solidFill>
                   <a:schemeClr val="tx1"/>
                 </a:solidFill>
@@ -5397,7 +6135,7 @@
               <a:buNone/>
             </a:pPr>
             <a:r>
-              <a:rPr lang="en-US" sz="4400" kern="1200">
+              <a:rPr lang="en-US" sz="4400" kern="1200" dirty="0">
                 <a:solidFill>
                   <a:schemeClr val="tx1"/>
                 </a:solidFill>
